--- a/minmove/minmove-intro.pptx
+++ b/minmove/minmove-intro.pptx
@@ -7,10 +7,10 @@
     <p:sldMasterId id="2147483663" r:id="rId3"/>
   </p:sldMasterIdLst>
   <p:notesMasterIdLst>
-    <p:notesMasterId r:id="rId9"/>
+    <p:notesMasterId r:id="rId10"/>
   </p:notesMasterIdLst>
   <p:handoutMasterIdLst>
-    <p:handoutMasterId r:id="rId10"/>
+    <p:handoutMasterId r:id="rId11"/>
   </p:handoutMasterIdLst>
   <p:sldIdLst>
     <p:sldId id="256" r:id="rId4"/>
@@ -18,6 +18,7 @@
     <p:sldId id="465" r:id="rId6"/>
     <p:sldId id="423" r:id="rId7"/>
     <p:sldId id="467" r:id="rId8"/>
+    <p:sldId id="468" r:id="rId9"/>
   </p:sldIdLst>
   <p:sldSz cx="9144000" cy="6858000" type="letter"/>
   <p:notesSz cx="6985000" cy="9283700"/>
@@ -10562,7 +10563,7 @@
         <p:spPr>
           <a:xfrm>
             <a:off x="152400" y="152400"/>
-            <a:ext cx="8153400" cy="422275"/>
+            <a:ext cx="8153400" cy="479747"/>
           </a:xfrm>
         </p:spPr>
         <p:txBody>
@@ -10570,10 +10571,14 @@
           <a:lstStyle/>
           <a:p>
             <a:r>
-              <a:rPr lang="en-US" altLang="zh-CN" dirty="0" smtClean="0"/>
-              <a:t>Program</a:t>
-            </a:r>
-            <a:endParaRPr lang="en-US" altLang="zh-CN" dirty="0"/>
+              <a:rPr lang="en-US" altLang="zh-CN" sz="3200" dirty="0" smtClean="0"/>
+              <a:t>Highlights of </a:t>
+            </a:r>
+            <a:r>
+              <a:rPr lang="en-US" altLang="zh-CN" sz="3200" smtClean="0"/>
+              <a:t>the Workshop</a:t>
+            </a:r>
+            <a:endParaRPr lang="en-US" altLang="zh-CN" sz="3200" dirty="0"/>
           </a:p>
         </p:txBody>
       </p:sp>
@@ -10593,7 +10598,7 @@
         <p:spPr>
           <a:xfrm>
             <a:off x="304800" y="838200"/>
-            <a:ext cx="8610600" cy="5705152"/>
+            <a:ext cx="8610600" cy="6092950"/>
           </a:xfrm>
         </p:spPr>
         <p:txBody>
@@ -10650,8 +10655,13 @@
           <a:p>
             <a:r>
               <a:rPr lang="en-US" sz="2800" dirty="0" smtClean="0"/>
-              <a:t>Workshop Papers</a:t>
-            </a:r>
+              <a:t>Peer-Reviewed Workshop Papers </a:t>
+            </a:r>
+            <a:r>
+              <a:rPr lang="en-US" sz="2800" i="1" dirty="0" smtClean="0"/>
+              <a:t>(most of the papers received three reviews)</a:t>
+            </a:r>
+            <a:endParaRPr lang="en-US" i="1" dirty="0" smtClean="0"/>
           </a:p>
           <a:p>
             <a:pPr lvl="1"/>
@@ -10667,7 +10677,10 @@
               <a:rPr lang="en-US" sz="2400" dirty="0"/>
               <a:t> </a:t>
             </a:r>
-            <a:endParaRPr lang="en-US" sz="2400" dirty="0" smtClean="0"/>
+            <a:r>
+              <a:rPr lang="en-US" sz="2400" i="1" dirty="0" smtClean="0"/>
+              <a:t>(UT Austin)</a:t>
+            </a:r>
           </a:p>
           <a:p>
             <a:pPr lvl="1"/>
@@ -10677,16 +10690,32 @@
             </a:r>
             <a:r>
               <a:rPr lang="en-US" sz="2400" dirty="0"/>
-              <a:t>a Trade-Off between DRAM and Persistent Memory for Persistent-Data Placement on Hybrid Main Memory  </a:t>
-            </a:r>
-            <a:endParaRPr lang="en-US" sz="2400" dirty="0" smtClean="0"/>
+              <a:t>a Trade-Off between DRAM and Persistent Memory for Persistent-Data Placement on Hybrid Main Memory </a:t>
+            </a:r>
+            <a:r>
+              <a:rPr lang="en-US" sz="2400" i="1" dirty="0"/>
+              <a:t>(Fujitsu </a:t>
+            </a:r>
+            <a:r>
+              <a:rPr lang="en-US" sz="2400" i="1" dirty="0" smtClean="0"/>
+              <a:t>Laboratories)</a:t>
+            </a:r>
           </a:p>
           <a:p>
             <a:pPr lvl="1"/>
             <a:r>
               <a:rPr lang="en-US" sz="2400" dirty="0"/>
-              <a:t>Opportunities for Processing Near Non-Volatile Memory in Heterogeneous Memory Systems  </a:t>
-            </a:r>
+              <a:t>Opportunities for Processing Near Non-Volatile Memory in Heterogeneous Memory Systems </a:t>
+            </a:r>
+            <a:r>
+              <a:rPr lang="en-US" sz="2400" i="1" dirty="0"/>
+              <a:t> </a:t>
+            </a:r>
+            <a:r>
+              <a:rPr lang="en-US" sz="2400" i="1" dirty="0" smtClean="0"/>
+              <a:t>(UIUC and AMD)</a:t>
+            </a:r>
+            <a:endParaRPr lang="en-US" sz="2400" i="1" dirty="0"/>
           </a:p>
           <a:p>
             <a:endParaRPr lang="en-US" altLang="zh-CN" dirty="0" smtClean="0"/>
@@ -10734,6 +10763,145 @@
       </p:par>
     </p:tnLst>
   </p:timing>
+</p:sld>
+</file>
+
+<file path=ppt/slides/slide6.xml><?xml version="1.0" encoding="utf-8"?>
+<p:sld xmlns:a="http://schemas.openxmlformats.org/drawingml/2006/main" xmlns:r="http://schemas.openxmlformats.org/officeDocument/2006/relationships" xmlns:p="http://schemas.openxmlformats.org/presentationml/2006/main">
+  <p:cSld>
+    <p:spTree>
+      <p:nvGrpSpPr>
+        <p:cNvPr id="1" name=""/>
+        <p:cNvGrpSpPr/>
+        <p:nvPr/>
+      </p:nvGrpSpPr>
+      <p:grpSpPr>
+        <a:xfrm>
+          <a:off x="0" y="0"/>
+          <a:ext cx="0" cy="0"/>
+          <a:chOff x="0" y="0"/>
+          <a:chExt cx="0" cy="0"/>
+        </a:xfrm>
+      </p:grpSpPr>
+      <p:sp>
+        <p:nvSpPr>
+          <p:cNvPr id="2" name="Title 1"/>
+          <p:cNvSpPr>
+            <a:spLocks noGrp="1"/>
+          </p:cNvSpPr>
+          <p:nvPr>
+            <p:ph type="title"/>
+          </p:nvPr>
+        </p:nvSpPr>
+        <p:spPr/>
+        <p:txBody>
+          <a:bodyPr/>
+          <a:lstStyle/>
+          <a:p>
+            <a:r>
+              <a:rPr lang="en-US" dirty="0" smtClean="0"/>
+              <a:t>Workshop Schedule</a:t>
+            </a:r>
+            <a:endParaRPr lang="en-US" dirty="0"/>
+          </a:p>
+        </p:txBody>
+      </p:sp>
+      <p:sp>
+        <p:nvSpPr>
+          <p:cNvPr id="4" name="Slide Number Placeholder 3"/>
+          <p:cNvSpPr>
+            <a:spLocks noGrp="1"/>
+          </p:cNvSpPr>
+          <p:nvPr>
+            <p:ph type="sldNum" sz="quarter" idx="10"/>
+          </p:nvPr>
+        </p:nvSpPr>
+        <p:spPr/>
+        <p:txBody>
+          <a:bodyPr/>
+          <a:lstStyle/>
+          <a:p>
+            <a:fld id="{5DE0CC70-9BD5-7543-A524-72E5137DC4FD}" type="slidenum">
+              <a:rPr lang="en-US" smtClean="0"/>
+              <a:t>6</a:t>
+            </a:fld>
+            <a:endParaRPr lang="en-US"/>
+          </a:p>
+        </p:txBody>
+      </p:sp>
+      <p:pic>
+        <p:nvPicPr>
+          <p:cNvPr id="6" name="Picture 5"/>
+          <p:cNvPicPr>
+            <a:picLocks noChangeAspect="1"/>
+          </p:cNvPicPr>
+          <p:nvPr/>
+        </p:nvPicPr>
+        <p:blipFill rotWithShape="1">
+          <a:blip r:embed="rId2">
+            <a:extLst>
+              <a:ext uri="{28A0092B-C50C-407E-A947-70E740481C1C}">
+                <a14:useLocalDpi xmlns:a14="http://schemas.microsoft.com/office/drawing/2010/main" val="0"/>
+              </a:ext>
+            </a:extLst>
+          </a:blip>
+          <a:srcRect t="12341"/>
+          <a:stretch/>
+        </p:blipFill>
+        <p:spPr>
+          <a:xfrm>
+            <a:off x="0" y="727075"/>
+            <a:ext cx="9095941" cy="6242177"/>
+          </a:xfrm>
+          <a:prstGeom prst="rect">
+            <a:avLst/>
+          </a:prstGeom>
+        </p:spPr>
+      </p:pic>
+      <p:sp>
+        <p:nvSpPr>
+          <p:cNvPr id="5" name="Rectangle 4"/>
+          <p:cNvSpPr/>
+          <p:nvPr/>
+        </p:nvSpPr>
+        <p:spPr>
+          <a:xfrm>
+            <a:off x="990600" y="6437420"/>
+            <a:ext cx="8001000" cy="954107"/>
+          </a:xfrm>
+          <a:prstGeom prst="rect">
+            <a:avLst/>
+          </a:prstGeom>
+        </p:spPr>
+        <p:txBody>
+          <a:bodyPr wrap="square">
+            <a:spAutoFit/>
+          </a:bodyPr>
+          <a:lstStyle/>
+          <a:p>
+            <a:r>
+              <a:rPr lang="en-US" sz="2800" dirty="0" smtClean="0">
+                <a:hlinkClick r:id="rId3"/>
+              </a:rPr>
+              <a:t>http://insight-archlab.github.io/minmove.html</a:t>
+            </a:r>
+            <a:endParaRPr lang="en-US" sz="2800" dirty="0" smtClean="0"/>
+          </a:p>
+          <a:p>
+            <a:endParaRPr lang="en-US" sz="2800" dirty="0"/>
+          </a:p>
+        </p:txBody>
+      </p:sp>
+    </p:spTree>
+    <p:extLst>
+      <p:ext uri="{BB962C8B-B14F-4D97-AF65-F5344CB8AC3E}">
+        <p14:creationId xmlns:p14="http://schemas.microsoft.com/office/powerpoint/2010/main" val="187657472"/>
+      </p:ext>
+    </p:extLst>
+  </p:cSld>
+  <p:clrMapOvr>
+    <a:masterClrMapping/>
+  </p:clrMapOvr>
 </p:sld>
 </file>
 

--- a/minmove/minmove-intro.pptx
+++ b/minmove/minmove-intro.pptx
@@ -10572,11 +10572,7 @@
           <a:p>
             <a:r>
               <a:rPr lang="en-US" altLang="zh-CN" sz="3200" dirty="0" smtClean="0"/>
-              <a:t>Highlights of </a:t>
-            </a:r>
-            <a:r>
-              <a:rPr lang="en-US" altLang="zh-CN" sz="3200" smtClean="0"/>
-              <a:t>the Workshop</a:t>
+              <a:t>Highlights of the Workshop</a:t>
             </a:r>
             <a:endParaRPr lang="en-US" altLang="zh-CN" sz="3200" dirty="0"/>
           </a:p>
@@ -10793,16 +10789,21 @@
             <p:ph type="title"/>
           </p:nvPr>
         </p:nvSpPr>
-        <p:spPr/>
-        <p:txBody>
-          <a:bodyPr/>
-          <a:lstStyle/>
-          <a:p>
-            <a:r>
-              <a:rPr lang="en-US" dirty="0" smtClean="0"/>
+        <p:spPr>
+          <a:xfrm>
+            <a:off x="228600" y="93662"/>
+            <a:ext cx="8153400" cy="479747"/>
+          </a:xfrm>
+        </p:spPr>
+        <p:txBody>
+          <a:bodyPr/>
+          <a:lstStyle/>
+          <a:p>
+            <a:r>
+              <a:rPr lang="en-US" sz="3200" dirty="0" smtClean="0"/>
               <a:t>Workshop Schedule</a:t>
             </a:r>
-            <a:endParaRPr lang="en-US" dirty="0"/>
+            <a:endParaRPr lang="en-US" sz="3200" dirty="0"/>
           </a:p>
         </p:txBody>
       </p:sp>
